--- a/杂项汇总/课堂汇报幻灯片/C_Flask_3.27_幻灯片_项目汇报.pptx
+++ b/杂项汇总/课堂汇报幻灯片/C_Flask_3.27_幻灯片_项目汇报.pptx
@@ -5900,7 +5900,7 @@
           <a:p>
             <a:fld id="{5FF51ABC-5D96-564B-85E1-CC2836FAB4A1}" type="datetimeFigureOut">
               <a:rPr kumimoji="1" lang="zh-CN" altLang="en-US" smtClean="0"/>
-              <a:t>2020/3/27</a:t>
+              <a:t>2020/3/30</a:t>
             </a:fld>
             <a:endParaRPr kumimoji="1" lang="zh-CN" altLang="en-US"/>
           </a:p>
@@ -8554,7 +8554,7 @@
           <a:p>
             <a:fld id="{A8550FEE-C184-9C44-A87C-14688E67DF0A}" type="datetimeFigureOut">
               <a:rPr kumimoji="1" lang="zh-CN" altLang="en-US" smtClean="0"/>
-              <a:t>2020/3/27</a:t>
+              <a:t>2020/3/30</a:t>
             </a:fld>
             <a:endParaRPr kumimoji="1" lang="zh-CN" altLang="en-US"/>
           </a:p>
@@ -9478,7 +9478,7 @@
             </a:r>
             <a:r>
               <a:rPr lang="zh-CN" altLang="en-US"/>
-              <a:t>日</a:t>
+              <a:t>日 </a:t>
             </a:r>
           </a:p>
         </p:txBody>
